--- a/pl/pl experiments.pptx
+++ b/pl/pl experiments.pptx
@@ -1235,7 +1235,7 @@
           <a:p>
             <a:fld id="{D7A35594-98D1-43B8-A59D-A12EA343ECDE}" type="datetimeFigureOut">
               <a:rPr lang="ko-KR" altLang="en-US" smtClean="0"/>
-              <a:t>2024-06-28</a:t>
+              <a:t>2024-07-30</a:t>
             </a:fld>
             <a:endParaRPr lang="ko-KR" altLang="en-US"/>
           </a:p>
@@ -1433,7 +1433,7 @@
           <a:p>
             <a:fld id="{D7A35594-98D1-43B8-A59D-A12EA343ECDE}" type="datetimeFigureOut">
               <a:rPr lang="ko-KR" altLang="en-US" smtClean="0"/>
-              <a:t>2024-06-28</a:t>
+              <a:t>2024-07-30</a:t>
             </a:fld>
             <a:endParaRPr lang="ko-KR" altLang="en-US"/>
           </a:p>
@@ -1641,7 +1641,7 @@
           <a:p>
             <a:fld id="{D7A35594-98D1-43B8-A59D-A12EA343ECDE}" type="datetimeFigureOut">
               <a:rPr lang="ko-KR" altLang="en-US" smtClean="0"/>
-              <a:t>2024-06-28</a:t>
+              <a:t>2024-07-30</a:t>
             </a:fld>
             <a:endParaRPr lang="ko-KR" altLang="en-US"/>
           </a:p>
@@ -1839,7 +1839,7 @@
           <a:p>
             <a:fld id="{D7A35594-98D1-43B8-A59D-A12EA343ECDE}" type="datetimeFigureOut">
               <a:rPr lang="ko-KR" altLang="en-US" smtClean="0"/>
-              <a:t>2024-06-28</a:t>
+              <a:t>2024-07-30</a:t>
             </a:fld>
             <a:endParaRPr lang="ko-KR" altLang="en-US"/>
           </a:p>
@@ -2114,7 +2114,7 @@
           <a:p>
             <a:fld id="{D7A35594-98D1-43B8-A59D-A12EA343ECDE}" type="datetimeFigureOut">
               <a:rPr lang="ko-KR" altLang="en-US" smtClean="0"/>
-              <a:t>2024-06-28</a:t>
+              <a:t>2024-07-30</a:t>
             </a:fld>
             <a:endParaRPr lang="ko-KR" altLang="en-US"/>
           </a:p>
@@ -2379,7 +2379,7 @@
           <a:p>
             <a:fld id="{D7A35594-98D1-43B8-A59D-A12EA343ECDE}" type="datetimeFigureOut">
               <a:rPr lang="ko-KR" altLang="en-US" smtClean="0"/>
-              <a:t>2024-06-28</a:t>
+              <a:t>2024-07-30</a:t>
             </a:fld>
             <a:endParaRPr lang="ko-KR" altLang="en-US"/>
           </a:p>
@@ -2791,7 +2791,7 @@
           <a:p>
             <a:fld id="{D7A35594-98D1-43B8-A59D-A12EA343ECDE}" type="datetimeFigureOut">
               <a:rPr lang="ko-KR" altLang="en-US" smtClean="0"/>
-              <a:t>2024-06-28</a:t>
+              <a:t>2024-07-30</a:t>
             </a:fld>
             <a:endParaRPr lang="ko-KR" altLang="en-US"/>
           </a:p>
@@ -2932,7 +2932,7 @@
           <a:p>
             <a:fld id="{D7A35594-98D1-43B8-A59D-A12EA343ECDE}" type="datetimeFigureOut">
               <a:rPr lang="ko-KR" altLang="en-US" smtClean="0"/>
-              <a:t>2024-06-28</a:t>
+              <a:t>2024-07-30</a:t>
             </a:fld>
             <a:endParaRPr lang="ko-KR" altLang="en-US"/>
           </a:p>
@@ -3045,7 +3045,7 @@
           <a:p>
             <a:fld id="{D7A35594-98D1-43B8-A59D-A12EA343ECDE}" type="datetimeFigureOut">
               <a:rPr lang="ko-KR" altLang="en-US" smtClean="0"/>
-              <a:t>2024-06-28</a:t>
+              <a:t>2024-07-30</a:t>
             </a:fld>
             <a:endParaRPr lang="ko-KR" altLang="en-US"/>
           </a:p>
@@ -3356,7 +3356,7 @@
           <a:p>
             <a:fld id="{D7A35594-98D1-43B8-A59D-A12EA343ECDE}" type="datetimeFigureOut">
               <a:rPr lang="ko-KR" altLang="en-US" smtClean="0"/>
-              <a:t>2024-06-28</a:t>
+              <a:t>2024-07-30</a:t>
             </a:fld>
             <a:endParaRPr lang="ko-KR" altLang="en-US"/>
           </a:p>
@@ -3644,7 +3644,7 @@
           <a:p>
             <a:fld id="{D7A35594-98D1-43B8-A59D-A12EA343ECDE}" type="datetimeFigureOut">
               <a:rPr lang="ko-KR" altLang="en-US" smtClean="0"/>
-              <a:t>2024-06-28</a:t>
+              <a:t>2024-07-30</a:t>
             </a:fld>
             <a:endParaRPr lang="ko-KR" altLang="en-US"/>
           </a:p>
@@ -3885,7 +3885,7 @@
           <a:p>
             <a:fld id="{D7A35594-98D1-43B8-A59D-A12EA343ECDE}" type="datetimeFigureOut">
               <a:rPr lang="ko-KR" altLang="en-US" smtClean="0"/>
-              <a:t>2024-06-28</a:t>
+              <a:t>2024-07-30</a:t>
             </a:fld>
             <a:endParaRPr lang="ko-KR" altLang="en-US"/>
           </a:p>
@@ -4547,8 +4547,20 @@
               <a:t>Max + 2nd prediction label</a:t>
             </a:r>
             <a:r>
-              <a:rPr lang="ko-KR" altLang="en-US" sz="1400" b="1"/>
-              <a:t>과</a:t>
+              <a:rPr lang="ko-KR" altLang="en-US" sz="1400" b="1" dirty="0"/>
+              <a:t>과 </a:t>
+            </a:r>
+            <a:r>
+              <a:rPr lang="en-US" altLang="ko-KR" sz="1400" b="1" dirty="0"/>
+              <a:t>KL div</a:t>
+            </a:r>
+            <a:r>
+              <a:rPr lang="ko-KR" altLang="en-US" sz="1400" b="1" dirty="0"/>
+              <a:t>를 </a:t>
+            </a:r>
+            <a:r>
+              <a:rPr lang="en-US" altLang="ko-KR" sz="1400" b="1" dirty="0"/>
+              <a:t>Min</a:t>
             </a:r>
             <a:endParaRPr lang="ko-KR" altLang="en-US" sz="1400" b="1" dirty="0"/>
           </a:p>
@@ -4720,7 +4732,7 @@
         </p:nvSpPr>
         <p:spPr>
           <a:xfrm>
-            <a:off x="3847383" y="2689375"/>
+            <a:off x="3758243" y="2966229"/>
             <a:ext cx="1181819" cy="811961"/>
           </a:xfrm>
           <a:prstGeom prst="ellipse">
@@ -4934,8 +4946,8 @@
         </p:nvCxnSpPr>
         <p:spPr>
           <a:xfrm>
-            <a:off x="3444818" y="3429000"/>
-            <a:ext cx="4468480" cy="1068600"/>
+            <a:off x="3865938" y="2569325"/>
+            <a:ext cx="4047360" cy="1928275"/>
           </a:xfrm>
           <a:prstGeom prst="line">
             <a:avLst/>
@@ -4977,8 +4989,8 @@
         </p:nvCxnSpPr>
         <p:spPr>
           <a:xfrm flipV="1">
-            <a:off x="4865298" y="2087592"/>
-            <a:ext cx="1570008" cy="3910642"/>
+            <a:off x="4865298" y="1403230"/>
+            <a:ext cx="667282" cy="4595004"/>
           </a:xfrm>
           <a:prstGeom prst="line">
             <a:avLst/>
@@ -5098,7 +5110,7 @@
         </p:nvSpPr>
         <p:spPr>
           <a:xfrm rot="18202052">
-            <a:off x="4941671" y="2084943"/>
+            <a:off x="5399611" y="2029544"/>
             <a:ext cx="1181819" cy="811961"/>
           </a:xfrm>
           <a:prstGeom prst="ellipse">
@@ -5154,7 +5166,7 @@
         </p:nvSpPr>
         <p:spPr>
           <a:xfrm rot="18202052">
-            <a:off x="5217346" y="3257464"/>
+            <a:off x="5528851" y="4091494"/>
             <a:ext cx="538120" cy="402410"/>
           </a:xfrm>
           <a:prstGeom prst="ellipse">
@@ -9839,8 +9851,8 @@
           <p:nvPr/>
         </p:nvSpPr>
         <p:spPr>
-          <a:xfrm>
-            <a:off x="3847383" y="2689375"/>
+          <a:xfrm rot="3962225">
+            <a:off x="3906669" y="2655075"/>
             <a:ext cx="1181819" cy="811961"/>
           </a:xfrm>
           <a:prstGeom prst="ellipse">
@@ -10217,8 +10229,8 @@
           <p:nvPr/>
         </p:nvSpPr>
         <p:spPr>
-          <a:xfrm rot="18202052">
-            <a:off x="4941671" y="2084943"/>
+          <a:xfrm rot="12199633">
+            <a:off x="4701079" y="2048290"/>
             <a:ext cx="1181819" cy="811961"/>
           </a:xfrm>
           <a:prstGeom prst="ellipse">
